--- a/scalar_imp_question.pptx
+++ b/scalar_imp_question.pptx
@@ -6,6 +6,13 @@
   </p:sldMasterIdLst>
   <p:sldIdLst>
     <p:sldId id="256" r:id="rId2"/>
+    <p:sldId id="257" r:id="rId3"/>
+    <p:sldId id="258" r:id="rId4"/>
+    <p:sldId id="259" r:id="rId5"/>
+    <p:sldId id="260" r:id="rId6"/>
+    <p:sldId id="261" r:id="rId7"/>
+    <p:sldId id="262" r:id="rId8"/>
+    <p:sldId id="263" r:id="rId9"/>
   </p:sldIdLst>
   <p:sldSz cx="12192000" cy="6858000"/>
   <p:notesSz cx="6858000" cy="9144000"/>
@@ -104,6 +111,31 @@
       </a:defRPr>
     </a:lvl9pPr>
   </p:defaultTextStyle>
+  <p:extLst>
+    <p:ext uri="{521415D9-36F7-43E2-AB2F-B90AF26B5E84}">
+      <p14:sectionLst xmlns:p14="http://schemas.microsoft.com/office/powerpoint/2010/main">
+        <p14:section name="Sorting" id="{B9C026C8-BE40-C341-B47F-8B6C284EE273}">
+          <p14:sldIdLst>
+            <p14:sldId id="256"/>
+          </p14:sldIdLst>
+        </p14:section>
+        <p14:section name="Binary-Search" id="{AC4053A4-2CE1-9B4F-862B-50F7A2332957}">
+          <p14:sldIdLst>
+            <p14:sldId id="257"/>
+            <p14:sldId id="258"/>
+            <p14:sldId id="259"/>
+            <p14:sldId id="260"/>
+            <p14:sldId id="261"/>
+            <p14:sldId id="262"/>
+            <p14:sldId id="263"/>
+          </p14:sldIdLst>
+        </p14:section>
+      </p14:sectionLst>
+    </p:ext>
+    <p:ext uri="{EFAFB233-063F-42B5-8137-9DF3F51BA10A}">
+      <p15:sldGuideLst xmlns:p15="http://schemas.microsoft.com/office/powerpoint/2012/main"/>
+    </p:ext>
+  </p:extLst>
 </p:presentation>
 </file>
 
@@ -256,7 +288,7 @@
           <a:p>
             <a:fld id="{BCC6D81F-22C0-E245-8FDD-04CC70277B04}" type="datetimeFigureOut">
               <a:rPr lang="en-US" smtClean="0"/>
-              <a:t>9/1/23</a:t>
+              <a:t>9/4/23</a:t>
             </a:fld>
             <a:endParaRPr lang="en-US"/>
           </a:p>
@@ -456,7 +488,7 @@
           <a:p>
             <a:fld id="{BCC6D81F-22C0-E245-8FDD-04CC70277B04}" type="datetimeFigureOut">
               <a:rPr lang="en-US" smtClean="0"/>
-              <a:t>9/1/23</a:t>
+              <a:t>9/4/23</a:t>
             </a:fld>
             <a:endParaRPr lang="en-US"/>
           </a:p>
@@ -666,7 +698,7 @@
           <a:p>
             <a:fld id="{BCC6D81F-22C0-E245-8FDD-04CC70277B04}" type="datetimeFigureOut">
               <a:rPr lang="en-US" smtClean="0"/>
-              <a:t>9/1/23</a:t>
+              <a:t>9/4/23</a:t>
             </a:fld>
             <a:endParaRPr lang="en-US"/>
           </a:p>
@@ -866,7 +898,7 @@
           <a:p>
             <a:fld id="{BCC6D81F-22C0-E245-8FDD-04CC70277B04}" type="datetimeFigureOut">
               <a:rPr lang="en-US" smtClean="0"/>
-              <a:t>9/1/23</a:t>
+              <a:t>9/4/23</a:t>
             </a:fld>
             <a:endParaRPr lang="en-US"/>
           </a:p>
@@ -1142,7 +1174,7 @@
           <a:p>
             <a:fld id="{BCC6D81F-22C0-E245-8FDD-04CC70277B04}" type="datetimeFigureOut">
               <a:rPr lang="en-US" smtClean="0"/>
-              <a:t>9/1/23</a:t>
+              <a:t>9/4/23</a:t>
             </a:fld>
             <a:endParaRPr lang="en-US"/>
           </a:p>
@@ -1410,7 +1442,7 @@
           <a:p>
             <a:fld id="{BCC6D81F-22C0-E245-8FDD-04CC70277B04}" type="datetimeFigureOut">
               <a:rPr lang="en-US" smtClean="0"/>
-              <a:t>9/1/23</a:t>
+              <a:t>9/4/23</a:t>
             </a:fld>
             <a:endParaRPr lang="en-US"/>
           </a:p>
@@ -1825,7 +1857,7 @@
           <a:p>
             <a:fld id="{BCC6D81F-22C0-E245-8FDD-04CC70277B04}" type="datetimeFigureOut">
               <a:rPr lang="en-US" smtClean="0"/>
-              <a:t>9/1/23</a:t>
+              <a:t>9/4/23</a:t>
             </a:fld>
             <a:endParaRPr lang="en-US"/>
           </a:p>
@@ -1967,7 +1999,7 @@
           <a:p>
             <a:fld id="{BCC6D81F-22C0-E245-8FDD-04CC70277B04}" type="datetimeFigureOut">
               <a:rPr lang="en-US" smtClean="0"/>
-              <a:t>9/1/23</a:t>
+              <a:t>9/4/23</a:t>
             </a:fld>
             <a:endParaRPr lang="en-US"/>
           </a:p>
@@ -2080,7 +2112,7 @@
           <a:p>
             <a:fld id="{BCC6D81F-22C0-E245-8FDD-04CC70277B04}" type="datetimeFigureOut">
               <a:rPr lang="en-US" smtClean="0"/>
-              <a:t>9/1/23</a:t>
+              <a:t>9/4/23</a:t>
             </a:fld>
             <a:endParaRPr lang="en-US"/>
           </a:p>
@@ -2393,7 +2425,7 @@
           <a:p>
             <a:fld id="{BCC6D81F-22C0-E245-8FDD-04CC70277B04}" type="datetimeFigureOut">
               <a:rPr lang="en-US" smtClean="0"/>
-              <a:t>9/1/23</a:t>
+              <a:t>9/4/23</a:t>
             </a:fld>
             <a:endParaRPr lang="en-US"/>
           </a:p>
@@ -2682,7 +2714,7 @@
           <a:p>
             <a:fld id="{BCC6D81F-22C0-E245-8FDD-04CC70277B04}" type="datetimeFigureOut">
               <a:rPr lang="en-US" smtClean="0"/>
-              <a:t>9/1/23</a:t>
+              <a:t>9/4/23</a:t>
             </a:fld>
             <a:endParaRPr lang="en-US"/>
           </a:p>
@@ -2925,7 +2957,7 @@
           <a:p>
             <a:fld id="{BCC6D81F-22C0-E245-8FDD-04CC70277B04}" type="datetimeFigureOut">
               <a:rPr lang="en-US" smtClean="0"/>
-              <a:t>9/1/23</a:t>
+              <a:t>9/4/23</a:t>
             </a:fld>
             <a:endParaRPr lang="en-US"/>
           </a:p>
@@ -3385,6 +3417,426 @@
 </p:sld>
 </file>
 
+<file path=ppt/slides/slide2.xml><?xml version="1.0" encoding="utf-8"?>
+<p:sld xmlns:a="http://schemas.openxmlformats.org/drawingml/2006/main" xmlns:r="http://schemas.openxmlformats.org/officeDocument/2006/relationships" xmlns:p="http://schemas.openxmlformats.org/presentationml/2006/main">
+  <p:cSld>
+    <p:spTree>
+      <p:nvGrpSpPr>
+        <p:cNvPr id="1" name=""/>
+        <p:cNvGrpSpPr/>
+        <p:nvPr/>
+      </p:nvGrpSpPr>
+      <p:grpSpPr>
+        <a:xfrm>
+          <a:off x="0" y="0"/>
+          <a:ext cx="0" cy="0"/>
+          <a:chOff x="0" y="0"/>
+          <a:chExt cx="0" cy="0"/>
+        </a:xfrm>
+      </p:grpSpPr>
+      <p:pic>
+        <p:nvPicPr>
+          <p:cNvPr id="4" name="Picture 3">
+            <a:extLst>
+              <a:ext uri="{FF2B5EF4-FFF2-40B4-BE49-F238E27FC236}">
+                <a16:creationId xmlns:a16="http://schemas.microsoft.com/office/drawing/2014/main" id="{6F14E62C-0099-5175-8799-BBD083D10248}"/>
+              </a:ext>
+            </a:extLst>
+          </p:cNvPr>
+          <p:cNvPicPr>
+            <a:picLocks noChangeAspect="1"/>
+          </p:cNvPicPr>
+          <p:nvPr/>
+        </p:nvPicPr>
+        <p:blipFill>
+          <a:blip r:embed="rId2"/>
+          <a:stretch>
+            <a:fillRect/>
+          </a:stretch>
+        </p:blipFill>
+        <p:spPr>
+          <a:xfrm>
+            <a:off x="884581" y="676190"/>
+            <a:ext cx="10644809" cy="5797933"/>
+          </a:xfrm>
+          <a:prstGeom prst="rect">
+            <a:avLst/>
+          </a:prstGeom>
+        </p:spPr>
+      </p:pic>
+      <p:pic>
+        <p:nvPicPr>
+          <p:cNvPr id="2" name="Picture 1">
+            <a:extLst>
+              <a:ext uri="{FF2B5EF4-FFF2-40B4-BE49-F238E27FC236}">
+                <a16:creationId xmlns:a16="http://schemas.microsoft.com/office/drawing/2014/main" id="{31E2B523-B751-6446-BB96-FE7CAC783B92}"/>
+              </a:ext>
+            </a:extLst>
+          </p:cNvPr>
+          <p:cNvPicPr>
+            <a:picLocks noChangeAspect="1"/>
+          </p:cNvPicPr>
+          <p:nvPr/>
+        </p:nvPicPr>
+        <p:blipFill>
+          <a:blip r:embed="rId3"/>
+          <a:stretch>
+            <a:fillRect/>
+          </a:stretch>
+        </p:blipFill>
+        <p:spPr>
+          <a:xfrm>
+            <a:off x="7243694" y="4232689"/>
+            <a:ext cx="2731035" cy="1323285"/>
+          </a:xfrm>
+          <a:prstGeom prst="rect">
+            <a:avLst/>
+          </a:prstGeom>
+        </p:spPr>
+      </p:pic>
+    </p:spTree>
+    <p:extLst>
+      <p:ext uri="{BB962C8B-B14F-4D97-AF65-F5344CB8AC3E}">
+        <p14:creationId xmlns:p14="http://schemas.microsoft.com/office/powerpoint/2010/main" val="814047410"/>
+      </p:ext>
+    </p:extLst>
+  </p:cSld>
+  <p:clrMapOvr>
+    <a:masterClrMapping/>
+  </p:clrMapOvr>
+</p:sld>
+</file>
+
+<file path=ppt/slides/slide3.xml><?xml version="1.0" encoding="utf-8"?>
+<p:sld xmlns:a="http://schemas.openxmlformats.org/drawingml/2006/main" xmlns:r="http://schemas.openxmlformats.org/officeDocument/2006/relationships" xmlns:p="http://schemas.openxmlformats.org/presentationml/2006/main">
+  <p:cSld>
+    <p:spTree>
+      <p:nvGrpSpPr>
+        <p:cNvPr id="1" name=""/>
+        <p:cNvGrpSpPr/>
+        <p:nvPr/>
+      </p:nvGrpSpPr>
+      <p:grpSpPr>
+        <a:xfrm>
+          <a:off x="0" y="0"/>
+          <a:ext cx="0" cy="0"/>
+          <a:chOff x="0" y="0"/>
+          <a:chExt cx="0" cy="0"/>
+        </a:xfrm>
+      </p:grpSpPr>
+      <p:pic>
+        <p:nvPicPr>
+          <p:cNvPr id="4" name="Picture 3">
+            <a:extLst>
+              <a:ext uri="{FF2B5EF4-FFF2-40B4-BE49-F238E27FC236}">
+                <a16:creationId xmlns:a16="http://schemas.microsoft.com/office/drawing/2014/main" id="{8446D703-FC75-560F-7276-3A07DDB5BD03}"/>
+              </a:ext>
+            </a:extLst>
+          </p:cNvPr>
+          <p:cNvPicPr>
+            <a:picLocks noChangeAspect="1"/>
+          </p:cNvPicPr>
+          <p:nvPr/>
+        </p:nvPicPr>
+        <p:blipFill>
+          <a:blip r:embed="rId2"/>
+          <a:stretch>
+            <a:fillRect/>
+          </a:stretch>
+        </p:blipFill>
+        <p:spPr>
+          <a:xfrm>
+            <a:off x="752060" y="455675"/>
+            <a:ext cx="10697818" cy="5886628"/>
+          </a:xfrm>
+          <a:prstGeom prst="rect">
+            <a:avLst/>
+          </a:prstGeom>
+        </p:spPr>
+      </p:pic>
+    </p:spTree>
+    <p:extLst>
+      <p:ext uri="{BB962C8B-B14F-4D97-AF65-F5344CB8AC3E}">
+        <p14:creationId xmlns:p14="http://schemas.microsoft.com/office/powerpoint/2010/main" val="3297460916"/>
+      </p:ext>
+    </p:extLst>
+  </p:cSld>
+  <p:clrMapOvr>
+    <a:masterClrMapping/>
+  </p:clrMapOvr>
+</p:sld>
+</file>
+
+<file path=ppt/slides/slide4.xml><?xml version="1.0" encoding="utf-8"?>
+<p:sld xmlns:a="http://schemas.openxmlformats.org/drawingml/2006/main" xmlns:r="http://schemas.openxmlformats.org/officeDocument/2006/relationships" xmlns:p="http://schemas.openxmlformats.org/presentationml/2006/main">
+  <p:cSld>
+    <p:spTree>
+      <p:nvGrpSpPr>
+        <p:cNvPr id="1" name=""/>
+        <p:cNvGrpSpPr/>
+        <p:nvPr/>
+      </p:nvGrpSpPr>
+      <p:grpSpPr>
+        <a:xfrm>
+          <a:off x="0" y="0"/>
+          <a:ext cx="0" cy="0"/>
+          <a:chOff x="0" y="0"/>
+          <a:chExt cx="0" cy="0"/>
+        </a:xfrm>
+      </p:grpSpPr>
+      <p:pic>
+        <p:nvPicPr>
+          <p:cNvPr id="4" name="Picture 3">
+            <a:extLst>
+              <a:ext uri="{FF2B5EF4-FFF2-40B4-BE49-F238E27FC236}">
+                <a16:creationId xmlns:a16="http://schemas.microsoft.com/office/drawing/2014/main" id="{A35D1741-0B47-B3B2-EB0C-7BAC6E83EFA9}"/>
+              </a:ext>
+            </a:extLst>
+          </p:cNvPr>
+          <p:cNvPicPr>
+            <a:picLocks noChangeAspect="1"/>
+          </p:cNvPicPr>
+          <p:nvPr/>
+        </p:nvPicPr>
+        <p:blipFill>
+          <a:blip r:embed="rId2"/>
+          <a:stretch>
+            <a:fillRect/>
+          </a:stretch>
+        </p:blipFill>
+        <p:spPr>
+          <a:xfrm>
+            <a:off x="540025" y="341144"/>
+            <a:ext cx="10976113" cy="5988949"/>
+          </a:xfrm>
+          <a:prstGeom prst="rect">
+            <a:avLst/>
+          </a:prstGeom>
+        </p:spPr>
+      </p:pic>
+    </p:spTree>
+    <p:extLst>
+      <p:ext uri="{BB962C8B-B14F-4D97-AF65-F5344CB8AC3E}">
+        <p14:creationId xmlns:p14="http://schemas.microsoft.com/office/powerpoint/2010/main" val="841910871"/>
+      </p:ext>
+    </p:extLst>
+  </p:cSld>
+  <p:clrMapOvr>
+    <a:masterClrMapping/>
+  </p:clrMapOvr>
+</p:sld>
+</file>
+
+<file path=ppt/slides/slide5.xml><?xml version="1.0" encoding="utf-8"?>
+<p:sld xmlns:a="http://schemas.openxmlformats.org/drawingml/2006/main" xmlns:r="http://schemas.openxmlformats.org/officeDocument/2006/relationships" xmlns:p="http://schemas.openxmlformats.org/presentationml/2006/main">
+  <p:cSld>
+    <p:spTree>
+      <p:nvGrpSpPr>
+        <p:cNvPr id="1" name=""/>
+        <p:cNvGrpSpPr/>
+        <p:nvPr/>
+      </p:nvGrpSpPr>
+      <p:grpSpPr>
+        <a:xfrm>
+          <a:off x="0" y="0"/>
+          <a:ext cx="0" cy="0"/>
+          <a:chOff x="0" y="0"/>
+          <a:chExt cx="0" cy="0"/>
+        </a:xfrm>
+      </p:grpSpPr>
+      <p:pic>
+        <p:nvPicPr>
+          <p:cNvPr id="2" name="Picture 1">
+            <a:extLst>
+              <a:ext uri="{FF2B5EF4-FFF2-40B4-BE49-F238E27FC236}">
+                <a16:creationId xmlns:a16="http://schemas.microsoft.com/office/drawing/2014/main" id="{21221304-1BDF-7A3A-72A6-E5FA4CD821C6}"/>
+              </a:ext>
+            </a:extLst>
+          </p:cNvPr>
+          <p:cNvPicPr>
+            <a:picLocks noChangeAspect="1"/>
+          </p:cNvPicPr>
+          <p:nvPr/>
+        </p:nvPicPr>
+        <p:blipFill>
+          <a:blip r:embed="rId2"/>
+          <a:stretch>
+            <a:fillRect/>
+          </a:stretch>
+        </p:blipFill>
+        <p:spPr>
+          <a:xfrm>
+            <a:off x="301487" y="233848"/>
+            <a:ext cx="11734800" cy="6376763"/>
+          </a:xfrm>
+          <a:prstGeom prst="rect">
+            <a:avLst/>
+          </a:prstGeom>
+        </p:spPr>
+      </p:pic>
+    </p:spTree>
+    <p:extLst>
+      <p:ext uri="{BB962C8B-B14F-4D97-AF65-F5344CB8AC3E}">
+        <p14:creationId xmlns:p14="http://schemas.microsoft.com/office/powerpoint/2010/main" val="471104437"/>
+      </p:ext>
+    </p:extLst>
+  </p:cSld>
+  <p:clrMapOvr>
+    <a:masterClrMapping/>
+  </p:clrMapOvr>
+</p:sld>
+</file>
+
+<file path=ppt/slides/slide6.xml><?xml version="1.0" encoding="utf-8"?>
+<p:sld xmlns:a="http://schemas.openxmlformats.org/drawingml/2006/main" xmlns:r="http://schemas.openxmlformats.org/officeDocument/2006/relationships" xmlns:p="http://schemas.openxmlformats.org/presentationml/2006/main">
+  <p:cSld>
+    <p:spTree>
+      <p:nvGrpSpPr>
+        <p:cNvPr id="1" name=""/>
+        <p:cNvGrpSpPr/>
+        <p:nvPr/>
+      </p:nvGrpSpPr>
+      <p:grpSpPr>
+        <a:xfrm>
+          <a:off x="0" y="0"/>
+          <a:ext cx="0" cy="0"/>
+          <a:chOff x="0" y="0"/>
+          <a:chExt cx="0" cy="0"/>
+        </a:xfrm>
+      </p:grpSpPr>
+      <p:pic>
+        <p:nvPicPr>
+          <p:cNvPr id="2" name="Picture 1">
+            <a:extLst>
+              <a:ext uri="{FF2B5EF4-FFF2-40B4-BE49-F238E27FC236}">
+                <a16:creationId xmlns:a16="http://schemas.microsoft.com/office/drawing/2014/main" id="{B713D831-45A3-00AF-5360-ED7F6AAA7D3E}"/>
+              </a:ext>
+            </a:extLst>
+          </p:cNvPr>
+          <p:cNvPicPr>
+            <a:picLocks noChangeAspect="1"/>
+          </p:cNvPicPr>
+          <p:nvPr/>
+        </p:nvPicPr>
+        <p:blipFill>
+          <a:blip r:embed="rId2"/>
+          <a:stretch>
+            <a:fillRect/>
+          </a:stretch>
+        </p:blipFill>
+        <p:spPr>
+          <a:xfrm>
+            <a:off x="758687" y="459752"/>
+            <a:ext cx="10840278" cy="5925922"/>
+          </a:xfrm>
+          <a:prstGeom prst="rect">
+            <a:avLst/>
+          </a:prstGeom>
+        </p:spPr>
+      </p:pic>
+    </p:spTree>
+    <p:extLst>
+      <p:ext uri="{BB962C8B-B14F-4D97-AF65-F5344CB8AC3E}">
+        <p14:creationId xmlns:p14="http://schemas.microsoft.com/office/powerpoint/2010/main" val="361019950"/>
+      </p:ext>
+    </p:extLst>
+  </p:cSld>
+  <p:clrMapOvr>
+    <a:masterClrMapping/>
+  </p:clrMapOvr>
+</p:sld>
+</file>
+
+<file path=ppt/slides/slide7.xml><?xml version="1.0" encoding="utf-8"?>
+<p:sld xmlns:a="http://schemas.openxmlformats.org/drawingml/2006/main" xmlns:r="http://schemas.openxmlformats.org/officeDocument/2006/relationships" xmlns:p="http://schemas.openxmlformats.org/presentationml/2006/main">
+  <p:cSld>
+    <p:spTree>
+      <p:nvGrpSpPr>
+        <p:cNvPr id="1" name=""/>
+        <p:cNvGrpSpPr/>
+        <p:nvPr/>
+      </p:nvGrpSpPr>
+      <p:grpSpPr>
+        <a:xfrm>
+          <a:off x="0" y="0"/>
+          <a:ext cx="0" cy="0"/>
+          <a:chOff x="0" y="0"/>
+          <a:chExt cx="0" cy="0"/>
+        </a:xfrm>
+      </p:grpSpPr>
+      <p:pic>
+        <p:nvPicPr>
+          <p:cNvPr id="2" name="Picture 1">
+            <a:extLst>
+              <a:ext uri="{FF2B5EF4-FFF2-40B4-BE49-F238E27FC236}">
+                <a16:creationId xmlns:a16="http://schemas.microsoft.com/office/drawing/2014/main" id="{241E7D2D-C7A6-6D44-D367-826E0A4AEC24}"/>
+              </a:ext>
+            </a:extLst>
+          </p:cNvPr>
+          <p:cNvPicPr>
+            <a:picLocks noChangeAspect="1"/>
+          </p:cNvPicPr>
+          <p:nvPr/>
+        </p:nvPicPr>
+        <p:blipFill>
+          <a:blip r:embed="rId2"/>
+          <a:stretch>
+            <a:fillRect/>
+          </a:stretch>
+        </p:blipFill>
+        <p:spPr>
+          <a:xfrm>
+            <a:off x="261729" y="271452"/>
+            <a:ext cx="11685105" cy="6236693"/>
+          </a:xfrm>
+          <a:prstGeom prst="rect">
+            <a:avLst/>
+          </a:prstGeom>
+        </p:spPr>
+      </p:pic>
+    </p:spTree>
+    <p:extLst>
+      <p:ext uri="{BB962C8B-B14F-4D97-AF65-F5344CB8AC3E}">
+        <p14:creationId xmlns:p14="http://schemas.microsoft.com/office/powerpoint/2010/main" val="2215081655"/>
+      </p:ext>
+    </p:extLst>
+  </p:cSld>
+  <p:clrMapOvr>
+    <a:masterClrMapping/>
+  </p:clrMapOvr>
+</p:sld>
+</file>
+
+<file path=ppt/slides/slide8.xml><?xml version="1.0" encoding="utf-8"?>
+<p:sld xmlns:a="http://schemas.openxmlformats.org/drawingml/2006/main" xmlns:r="http://schemas.openxmlformats.org/officeDocument/2006/relationships" xmlns:p="http://schemas.openxmlformats.org/presentationml/2006/main">
+  <p:cSld>
+    <p:spTree>
+      <p:nvGrpSpPr>
+        <p:cNvPr id="1" name=""/>
+        <p:cNvGrpSpPr/>
+        <p:nvPr/>
+      </p:nvGrpSpPr>
+      <p:grpSpPr>
+        <a:xfrm>
+          <a:off x="0" y="0"/>
+          <a:ext cx="0" cy="0"/>
+          <a:chOff x="0" y="0"/>
+          <a:chExt cx="0" cy="0"/>
+        </a:xfrm>
+      </p:grpSpPr>
+    </p:spTree>
+    <p:extLst>
+      <p:ext uri="{BB962C8B-B14F-4D97-AF65-F5344CB8AC3E}">
+        <p14:creationId xmlns:p14="http://schemas.microsoft.com/office/powerpoint/2010/main" val="1465238571"/>
+      </p:ext>
+    </p:extLst>
+  </p:cSld>
+  <p:clrMapOvr>
+    <a:masterClrMapping/>
+  </p:clrMapOvr>
+</p:sld>
+</file>
+
 <file path=ppt/theme/theme1.xml><?xml version="1.0" encoding="utf-8"?>
 <a:theme xmlns:a="http://schemas.openxmlformats.org/drawingml/2006/main" name="Office Theme">
   <a:themeElements>
